--- a/Supervised Learning/4. Projects/Diabetes Risk Analysis.pptx
+++ b/Supervised Learning/4. Projects/Diabetes Risk Analysis.pptx
@@ -8,14 +8,10 @@
     <p:sldId id="256" r:id="rId2"/>
     <p:sldId id="257" r:id="rId3"/>
     <p:sldId id="258" r:id="rId4"/>
-    <p:sldId id="266" r:id="rId5"/>
-    <p:sldId id="259" r:id="rId6"/>
-    <p:sldId id="260" r:id="rId7"/>
-    <p:sldId id="261" r:id="rId8"/>
-    <p:sldId id="262" r:id="rId9"/>
-    <p:sldId id="263" r:id="rId10"/>
-    <p:sldId id="264" r:id="rId11"/>
-    <p:sldId id="265" r:id="rId12"/>
+    <p:sldId id="259" r:id="rId5"/>
+    <p:sldId id="260" r:id="rId6"/>
+    <p:sldId id="261" r:id="rId7"/>
+    <p:sldId id="264" r:id="rId8"/>
   </p:sldIdLst>
   <p:sldSz cx="9144000" cy="6858000" type="screen4x3"/>
   <p:notesSz cx="6858000" cy="9144000"/>
@@ -538,7 +534,7 @@
           <a:p>
             <a:fld id="{5BCAD085-E8A6-8845-BD4E-CB4CCA059FC4}" type="datetimeFigureOut">
               <a:rPr lang="en-US" smtClean="0"/>
-              <a:t>8/19/2025</a:t>
+              <a:t>8/21/2025</a:t>
             </a:fld>
             <a:endParaRPr lang="en-US"/>
           </a:p>
@@ -722,7 +718,7 @@
           <a:p>
             <a:fld id="{5BCAD085-E8A6-8845-BD4E-CB4CCA059FC4}" type="datetimeFigureOut">
               <a:rPr lang="en-US" smtClean="0"/>
-              <a:t>8/19/2025</a:t>
+              <a:t>8/21/2025</a:t>
             </a:fld>
             <a:endParaRPr lang="en-US"/>
           </a:p>
@@ -906,7 +902,7 @@
           <a:p>
             <a:fld id="{5BCAD085-E8A6-8845-BD4E-CB4CCA059FC4}" type="datetimeFigureOut">
               <a:rPr lang="en-US" smtClean="0"/>
-              <a:t>8/19/2025</a:t>
+              <a:t>8/21/2025</a:t>
             </a:fld>
             <a:endParaRPr lang="en-US"/>
           </a:p>
@@ -1076,7 +1072,7 @@
           <a:p>
             <a:fld id="{5BCAD085-E8A6-8845-BD4E-CB4CCA059FC4}" type="datetimeFigureOut">
               <a:rPr lang="en-US" smtClean="0"/>
-              <a:t>8/19/2025</a:t>
+              <a:t>8/21/2025</a:t>
             </a:fld>
             <a:endParaRPr lang="en-US"/>
           </a:p>
@@ -1401,7 +1397,7 @@
           <a:p>
             <a:fld id="{5BCAD085-E8A6-8845-BD4E-CB4CCA059FC4}" type="datetimeFigureOut">
               <a:rPr lang="en-US" smtClean="0"/>
-              <a:t>8/19/2025</a:t>
+              <a:t>8/21/2025</a:t>
             </a:fld>
             <a:endParaRPr lang="en-US"/>
           </a:p>
@@ -1799,7 +1795,7 @@
           <a:p>
             <a:fld id="{5BCAD085-E8A6-8845-BD4E-CB4CCA059FC4}" type="datetimeFigureOut">
               <a:rPr lang="en-US" smtClean="0"/>
-              <a:t>8/19/2025</a:t>
+              <a:t>8/21/2025</a:t>
             </a:fld>
             <a:endParaRPr lang="en-US"/>
           </a:p>
@@ -2233,7 +2229,7 @@
           <a:p>
             <a:fld id="{5BCAD085-E8A6-8845-BD4E-CB4CCA059FC4}" type="datetimeFigureOut">
               <a:rPr lang="en-US" smtClean="0"/>
-              <a:t>8/19/2025</a:t>
+              <a:t>8/21/2025</a:t>
             </a:fld>
             <a:endParaRPr lang="en-US"/>
           </a:p>
@@ -2361,7 +2357,7 @@
           <a:p>
             <a:fld id="{5BCAD085-E8A6-8845-BD4E-CB4CCA059FC4}" type="datetimeFigureOut">
               <a:rPr lang="en-US" smtClean="0"/>
-              <a:t>8/19/2025</a:t>
+              <a:t>8/21/2025</a:t>
             </a:fld>
             <a:endParaRPr lang="en-US"/>
           </a:p>
@@ -2466,7 +2462,7 @@
           <a:p>
             <a:fld id="{5BCAD085-E8A6-8845-BD4E-CB4CCA059FC4}" type="datetimeFigureOut">
               <a:rPr lang="en-US" smtClean="0"/>
-              <a:t>8/19/2025</a:t>
+              <a:t>8/21/2025</a:t>
             </a:fld>
             <a:endParaRPr lang="en-US"/>
           </a:p>
@@ -2907,7 +2903,7 @@
           <a:p>
             <a:fld id="{5BCAD085-E8A6-8845-BD4E-CB4CCA059FC4}" type="datetimeFigureOut">
               <a:rPr lang="en-US" smtClean="0"/>
-              <a:t>8/19/2025</a:t>
+              <a:t>8/21/2025</a:t>
             </a:fld>
             <a:endParaRPr lang="en-US"/>
           </a:p>
@@ -3334,7 +3330,7 @@
           <a:p>
             <a:fld id="{5BCAD085-E8A6-8845-BD4E-CB4CCA059FC4}" type="datetimeFigureOut">
               <a:rPr lang="en-US" smtClean="0"/>
-              <a:t>8/19/2025</a:t>
+              <a:t>8/21/2025</a:t>
             </a:fld>
             <a:endParaRPr lang="en-US"/>
           </a:p>
@@ -3619,7 +3615,7 @@
           <a:p>
             <a:fld id="{5BCAD085-E8A6-8845-BD4E-CB4CCA059FC4}" type="datetimeFigureOut">
               <a:rPr lang="en-US" smtClean="0"/>
-              <a:t>8/19/2025</a:t>
+              <a:t>8/21/2025</a:t>
             </a:fld>
             <a:endParaRPr lang="en-US"/>
           </a:p>
@@ -4121,12 +4117,13 @@
         <p:spPr/>
         <p:txBody>
           <a:bodyPr>
-            <a:normAutofit fontScale="90000"/>
+            <a:normAutofit/>
           </a:bodyPr>
           <a:lstStyle/>
           <a:p>
             <a:r>
-              <a:t>Salary Prediction using Global Data Science Job Salaries Dataset</a:t>
+              <a:rPr lang="en-US" sz="5400" dirty="0"/>
+              <a:t>Predicting Diabetes Using Machine Learning: A Binary Classification Approach</a:t>
             </a:r>
           </a:p>
         </p:txBody>
@@ -4147,184 +4144,8 @@
           <a:lstStyle/>
           <a:p>
             <a:r>
-              <a:rPr dirty="0"/>
-              <a:t>Project Presentation</a:t>
-            </a:r>
-            <a:r>
-              <a:rPr lang="en-IN" dirty="0"/>
-              <a:t> </a:t>
-            </a:r>
-          </a:p>
-        </p:txBody>
-      </p:sp>
-    </p:spTree>
-  </p:cSld>
-  <p:clrMapOvr>
-    <a:masterClrMapping/>
-  </p:clrMapOvr>
-</p:sld>
-</file>
-
-<file path=ppt/slides/slide10.xml><?xml version="1.0" encoding="utf-8"?>
-<p:sld xmlns:a="http://schemas.openxmlformats.org/drawingml/2006/main" xmlns:r="http://schemas.openxmlformats.org/officeDocument/2006/relationships" xmlns:p="http://schemas.openxmlformats.org/presentationml/2006/main">
-  <p:cSld>
-    <p:spTree>
-      <p:nvGrpSpPr>
-        <p:cNvPr id="1" name=""/>
-        <p:cNvGrpSpPr/>
-        <p:nvPr/>
-      </p:nvGrpSpPr>
-      <p:grpSpPr>
-        <a:xfrm>
-          <a:off x="0" y="0"/>
-          <a:ext cx="0" cy="0"/>
-          <a:chOff x="0" y="0"/>
-          <a:chExt cx="0" cy="0"/>
-        </a:xfrm>
-      </p:grpSpPr>
-      <p:sp>
-        <p:nvSpPr>
-          <p:cNvPr id="2" name="Title 1"/>
-          <p:cNvSpPr>
-            <a:spLocks noGrp="1"/>
-          </p:cNvSpPr>
-          <p:nvPr>
-            <p:ph type="title"/>
-          </p:nvPr>
-        </p:nvSpPr>
-        <p:spPr/>
-        <p:txBody>
-          <a:bodyPr/>
-          <a:lstStyle/>
-          <a:p>
-            <a:r>
-              <a:t>Key Findings &amp; Conclusion</a:t>
-            </a:r>
-          </a:p>
-        </p:txBody>
-      </p:sp>
-      <p:sp>
-        <p:nvSpPr>
-          <p:cNvPr id="3" name="Content Placeholder 2"/>
-          <p:cNvSpPr>
-            <a:spLocks noGrp="1"/>
-          </p:cNvSpPr>
-          <p:nvPr>
-            <p:ph idx="1"/>
-          </p:nvPr>
-        </p:nvSpPr>
-        <p:spPr/>
-        <p:txBody>
-          <a:bodyPr/>
-          <a:lstStyle/>
-          <a:p>
-            <a:r>
-              <a:rPr dirty="0"/>
-              <a:t>Certain features strongly influence salary (e.g., experience level, location)</a:t>
-            </a:r>
-          </a:p>
-          <a:p>
-            <a:r>
-              <a:rPr dirty="0"/>
-              <a:t>Decision Tree performed better in capturing non-linear patterns</a:t>
-            </a:r>
-          </a:p>
-          <a:p>
-            <a:r>
-              <a:rPr dirty="0"/>
-              <a:t>Ridge Regression helped reduce overfitting compared to Linear Regression</a:t>
-            </a:r>
-          </a:p>
-          <a:p>
-            <a:r>
-              <a:rPr dirty="0"/>
-              <a:t>[Add detailed findings here]</a:t>
-            </a:r>
-          </a:p>
-          <a:p>
-            <a:r>
-              <a:rPr dirty="0"/>
-              <a:t>Conclusion: Predictive models can estimate salaries reasonably well, but performance depends on data quality and feature selection.</a:t>
-            </a:r>
-          </a:p>
-        </p:txBody>
-      </p:sp>
-    </p:spTree>
-  </p:cSld>
-  <p:clrMapOvr>
-    <a:masterClrMapping/>
-  </p:clrMapOvr>
-</p:sld>
-</file>
-
-<file path=ppt/slides/slide11.xml><?xml version="1.0" encoding="utf-8"?>
-<p:sld xmlns:a="http://schemas.openxmlformats.org/drawingml/2006/main" xmlns:r="http://schemas.openxmlformats.org/officeDocument/2006/relationships" xmlns:p="http://schemas.openxmlformats.org/presentationml/2006/main">
-  <p:cSld>
-    <p:spTree>
-      <p:nvGrpSpPr>
-        <p:cNvPr id="1" name=""/>
-        <p:cNvGrpSpPr/>
-        <p:nvPr/>
-      </p:nvGrpSpPr>
-      <p:grpSpPr>
-        <a:xfrm>
-          <a:off x="0" y="0"/>
-          <a:ext cx="0" cy="0"/>
-          <a:chOff x="0" y="0"/>
-          <a:chExt cx="0" cy="0"/>
-        </a:xfrm>
-      </p:grpSpPr>
-      <p:sp>
-        <p:nvSpPr>
-          <p:cNvPr id="2" name="Title 1"/>
-          <p:cNvSpPr>
-            <a:spLocks noGrp="1"/>
-          </p:cNvSpPr>
-          <p:nvPr>
-            <p:ph type="title"/>
-          </p:nvPr>
-        </p:nvSpPr>
-        <p:spPr/>
-        <p:txBody>
-          <a:bodyPr/>
-          <a:lstStyle/>
-          <a:p>
-            <a:r>
-              <a:t>Demo &amp; Feedback</a:t>
-            </a:r>
-          </a:p>
-        </p:txBody>
-      </p:sp>
-      <p:sp>
-        <p:nvSpPr>
-          <p:cNvPr id="3" name="Content Placeholder 2"/>
-          <p:cNvSpPr>
-            <a:spLocks noGrp="1"/>
-          </p:cNvSpPr>
-          <p:nvPr>
-            <p:ph idx="1"/>
-          </p:nvPr>
-        </p:nvSpPr>
-        <p:spPr/>
-        <p:txBody>
-          <a:bodyPr/>
-          <a:lstStyle/>
-          <a:p>
-            <a:r>
-              <a:rPr dirty="0"/>
-              <a:t>Demonstration of working models</a:t>
-            </a:r>
-          </a:p>
-          <a:p>
-            <a:r>
-              <a:rPr dirty="0"/>
-              <a:t>Visualization of predictions</a:t>
-            </a:r>
-          </a:p>
-          <a:p>
-            <a:r>
-              <a:rPr dirty="0"/>
-              <a:t>Q&amp;A and peer feedback session</a:t>
+              <a:rPr lang="en-US" dirty="0"/>
+              <a:t>Leveraging the BRFSS 2015 Dataset to Identify Diabetes Cases</a:t>
             </a:r>
           </a:p>
         </p:txBody>
@@ -4392,52 +4213,35 @@
           <a:lstStyle/>
           <a:p>
             <a:r>
-              <a:rPr dirty="0"/>
-              <a:t>Dataset: Global Data Science Salaries </a:t>
-            </a:r>
-            <a:endParaRPr lang="en-IN" dirty="0"/>
-          </a:p>
-          <a:p>
-            <a:pPr marL="0" indent="0">
-              <a:buNone/>
-            </a:pPr>
-            <a:r>
               <a:rPr lang="en-IN" dirty="0"/>
-              <a:t>		</a:t>
-            </a:r>
-            <a:r>
-              <a:rPr dirty="0"/>
-              <a:t>(93,597 rows, 11 columns)</a:t>
-            </a:r>
-          </a:p>
-          <a:p>
-            <a:r>
-              <a:rPr dirty="0"/>
-              <a:t>Source: </a:t>
-            </a:r>
-            <a:r>
-              <a:rPr dirty="0" err="1"/>
-              <a:t>OpenDataBay</a:t>
-            </a:r>
-            <a:r>
-              <a:rPr dirty="0"/>
-              <a:t> Website</a:t>
-            </a:r>
-          </a:p>
-          <a:p>
-            <a:r>
-              <a:rPr dirty="0"/>
-              <a:t>Objective: Predict salaries based on multiple job-related features</a:t>
-            </a:r>
-          </a:p>
-          <a:p>
-            <a:r>
-              <a:rPr dirty="0"/>
-              <a:t>Problem Type: Regression</a:t>
-            </a:r>
-          </a:p>
-          <a:p>
-            <a:endParaRPr dirty="0"/>
+              <a:t>Objective: Build a binary classification model to predict diabetes (class 1) vs. no diabetes (class 0) using health indicators.</a:t>
+            </a:r>
+          </a:p>
+          <a:p>
+            <a:r>
+              <a:rPr lang="en-IN" dirty="0"/>
+              <a:t>Dataset: </a:t>
+            </a:r>
+            <a:r>
+              <a:rPr lang="en-IN" dirty="0" err="1"/>
+              <a:t>Behavioral</a:t>
+            </a:r>
+            <a:r>
+              <a:rPr lang="en-IN" dirty="0"/>
+              <a:t> Risk Factor Surveillance System (BRFSS) 2015.</a:t>
+            </a:r>
+          </a:p>
+          <a:p>
+            <a:r>
+              <a:rPr lang="en-IN" dirty="0"/>
+              <a:t>Target: Combine Diabetes_012 classes 1 (prediabetes) and 2 (diabetes) into class 1; class 0 is no diabetes.</a:t>
+            </a:r>
+          </a:p>
+          <a:p>
+            <a:r>
+              <a:rPr lang="en-IN" dirty="0"/>
+              <a:t>Goal: Minimize False Negatives (FN) to ensure diabetes cases are not missed.</a:t>
+            </a:r>
           </a:p>
         </p:txBody>
       </p:sp>
@@ -4482,7 +4286,8 @@
           <a:lstStyle/>
           <a:p>
             <a:r>
-              <a:t>Preprocessing Steps</a:t>
+              <a:rPr lang="en-IN" dirty="0"/>
+              <a:t>Dataset Description</a:t>
             </a:r>
           </a:p>
         </p:txBody>
@@ -4503,32 +4308,159 @@
           <a:lstStyle/>
           <a:p>
             <a:r>
-              <a:rPr dirty="0"/>
-              <a:t>Data Cleaning (handling missing values, duplicates, formatting)</a:t>
-            </a:r>
-          </a:p>
-          <a:p>
-            <a:r>
-              <a:rPr dirty="0"/>
-              <a:t>Feature Encoding (categorical to numerical)</a:t>
-            </a:r>
-          </a:p>
-          <a:p>
-            <a:r>
-              <a:rPr dirty="0"/>
-              <a:t>Feature Scaling (if applied)</a:t>
-            </a:r>
-          </a:p>
-          <a:p>
-            <a:r>
-              <a:rPr dirty="0"/>
-              <a:t>Train-test split</a:t>
-            </a:r>
-          </a:p>
-          <a:p>
-            <a:r>
-              <a:rPr dirty="0"/>
-              <a:t>[Add additional preprocessing steps here]</a:t>
+              <a:rPr lang="en-IN" dirty="0"/>
+              <a:t>Title: BRFSS 2015 Dataset</a:t>
+            </a:r>
+          </a:p>
+          <a:p>
+            <a:r>
+              <a:rPr lang="en-IN" dirty="0"/>
+              <a:t>Content:</a:t>
+            </a:r>
+          </a:p>
+          <a:p>
+            <a:pPr lvl="1"/>
+            <a:r>
+              <a:rPr lang="en-IN" dirty="0"/>
+              <a:t>Features (21):</a:t>
+            </a:r>
+          </a:p>
+          <a:p>
+            <a:pPr lvl="2"/>
+            <a:r>
+              <a:rPr lang="en-IN" dirty="0"/>
+              <a:t>Binary (0/1): </a:t>
+            </a:r>
+            <a:r>
+              <a:rPr lang="en-IN" dirty="0" err="1"/>
+              <a:t>HighBP</a:t>
+            </a:r>
+            <a:r>
+              <a:rPr lang="en-IN" dirty="0"/>
+              <a:t>, </a:t>
+            </a:r>
+            <a:r>
+              <a:rPr lang="en-IN" dirty="0" err="1"/>
+              <a:t>HighChol</a:t>
+            </a:r>
+            <a:r>
+              <a:rPr lang="en-IN" dirty="0"/>
+              <a:t>, </a:t>
+            </a:r>
+            <a:r>
+              <a:rPr lang="en-IN" dirty="0" err="1"/>
+              <a:t>CholCheck</a:t>
+            </a:r>
+            <a:r>
+              <a:rPr lang="en-IN" dirty="0"/>
+              <a:t>, Smoker, Stroke, </a:t>
+            </a:r>
+            <a:r>
+              <a:rPr lang="en-IN" dirty="0" err="1"/>
+              <a:t>HeartDiseaseorAttack</a:t>
+            </a:r>
+            <a:r>
+              <a:rPr lang="en-IN" dirty="0"/>
+              <a:t>, </a:t>
+            </a:r>
+            <a:r>
+              <a:rPr lang="en-IN" dirty="0" err="1"/>
+              <a:t>PhysActivity</a:t>
+            </a:r>
+            <a:r>
+              <a:rPr lang="en-IN" dirty="0"/>
+              <a:t>, Fruits, Veggies, </a:t>
+            </a:r>
+            <a:r>
+              <a:rPr lang="en-IN" dirty="0" err="1"/>
+              <a:t>HvyAlcoholConsump</a:t>
+            </a:r>
+            <a:r>
+              <a:rPr lang="en-IN" dirty="0"/>
+              <a:t>, </a:t>
+            </a:r>
+            <a:r>
+              <a:rPr lang="en-IN" dirty="0" err="1"/>
+              <a:t>AnyHealthcare</a:t>
+            </a:r>
+            <a:r>
+              <a:rPr lang="en-IN" dirty="0"/>
+              <a:t>, </a:t>
+            </a:r>
+            <a:r>
+              <a:rPr lang="en-IN" dirty="0" err="1"/>
+              <a:t>NoDocbcCost</a:t>
+            </a:r>
+            <a:r>
+              <a:rPr lang="en-IN" dirty="0"/>
+              <a:t>, DiffWalk, Sex.</a:t>
+            </a:r>
+          </a:p>
+          <a:p>
+            <a:pPr lvl="2"/>
+            <a:r>
+              <a:rPr lang="en-IN" dirty="0"/>
+              <a:t>Ordinal: </a:t>
+            </a:r>
+            <a:r>
+              <a:rPr lang="en-IN" dirty="0" err="1"/>
+              <a:t>GenHlth</a:t>
+            </a:r>
+            <a:r>
+              <a:rPr lang="en-IN" dirty="0"/>
+              <a:t> (1–5), Education (1–6), Income (1–8), Age (1–13).</a:t>
+            </a:r>
+          </a:p>
+          <a:p>
+            <a:pPr lvl="2"/>
+            <a:r>
+              <a:rPr lang="en-IN" dirty="0"/>
+              <a:t>Numerical: BMI, </a:t>
+            </a:r>
+            <a:r>
+              <a:rPr lang="en-IN" dirty="0" err="1"/>
+              <a:t>MentHlth</a:t>
+            </a:r>
+            <a:r>
+              <a:rPr lang="en-IN" dirty="0"/>
+              <a:t> (0–30), </a:t>
+            </a:r>
+            <a:r>
+              <a:rPr lang="en-IN" dirty="0" err="1"/>
+              <a:t>PhysHlth</a:t>
+            </a:r>
+            <a:r>
+              <a:rPr lang="en-IN" dirty="0"/>
+              <a:t> (0–30).</a:t>
+            </a:r>
+          </a:p>
+          <a:p>
+            <a:pPr lvl="1"/>
+            <a:r>
+              <a:rPr lang="en-IN" dirty="0"/>
+              <a:t>Target: </a:t>
+            </a:r>
+            <a:r>
+              <a:rPr lang="en-IN" dirty="0" err="1"/>
+              <a:t>Diabetes_binary</a:t>
+            </a:r>
+            <a:r>
+              <a:rPr lang="en-IN" dirty="0"/>
+              <a:t> (0 = no diabetes, 1 = diabetes).</a:t>
+            </a:r>
+          </a:p>
+          <a:p>
+            <a:pPr lvl="1"/>
+            <a:r>
+              <a:rPr lang="en-IN" dirty="0"/>
+              <a:t>Size: ~253,680 samples (after combining classes).</a:t>
+            </a:r>
+          </a:p>
+          <a:p>
+            <a:pPr lvl="1"/>
+            <a:r>
+              <a:rPr lang="en-IN" dirty="0"/>
+              <a:t>Challenge: Imbalanced dataset (~87% class 0, ~13% class 1).</a:t>
             </a:r>
           </a:p>
         </p:txBody>
@@ -4546,13 +4478,7 @@
   <p:cSld>
     <p:spTree>
       <p:nvGrpSpPr>
-        <p:cNvPr id="1" name="">
-          <a:extLst>
-            <a:ext uri="{FF2B5EF4-FFF2-40B4-BE49-F238E27FC236}">
-              <a16:creationId xmlns:a16="http://schemas.microsoft.com/office/drawing/2014/main" id="{25E3469C-324E-EBAA-E2C1-5CED5BA2E78B}"/>
-            </a:ext>
-          </a:extLst>
-        </p:cNvPr>
+        <p:cNvPr id="1" name=""/>
         <p:cNvGrpSpPr/>
         <p:nvPr/>
       </p:nvGrpSpPr>
@@ -4566,13 +4492,7 @@
       </p:grpSpPr>
       <p:sp>
         <p:nvSpPr>
-          <p:cNvPr id="2" name="Title 1">
-            <a:extLst>
-              <a:ext uri="{FF2B5EF4-FFF2-40B4-BE49-F238E27FC236}">
-                <a16:creationId xmlns:a16="http://schemas.microsoft.com/office/drawing/2014/main" id="{2EB3956D-9425-10FC-8C9D-B3DE73C9B252}"/>
-              </a:ext>
-            </a:extLst>
-          </p:cNvPr>
+          <p:cNvPr id="2" name="Title 1"/>
           <p:cNvSpPr>
             <a:spLocks noGrp="1"/>
           </p:cNvSpPr>
@@ -4586,21 +4506,15 @@
           <a:lstStyle/>
           <a:p>
             <a:r>
-              <a:rPr dirty="0"/>
-              <a:t>Preprocessing Steps</a:t>
-            </a:r>
-          </a:p>
-        </p:txBody>
-      </p:sp>
-      <p:sp>
-        <p:nvSpPr>
-          <p:cNvPr id="3" name="Content Placeholder 2">
-            <a:extLst>
-              <a:ext uri="{FF2B5EF4-FFF2-40B4-BE49-F238E27FC236}">
-                <a16:creationId xmlns:a16="http://schemas.microsoft.com/office/drawing/2014/main" id="{0E089AE5-B680-A230-8F1B-FA34BEDABB4A}"/>
-              </a:ext>
-            </a:extLst>
-          </p:cNvPr>
+              <a:rPr lang="en-IN" dirty="0"/>
+              <a:t>Problem Importance</a:t>
+            </a:r>
+          </a:p>
+        </p:txBody>
+      </p:sp>
+      <p:sp>
+        <p:nvSpPr>
+          <p:cNvPr id="3" name="Content Placeholder 2"/>
           <p:cNvSpPr>
             <a:spLocks noGrp="1"/>
           </p:cNvSpPr>
@@ -4614,709 +4528,35 @@
           <a:lstStyle/>
           <a:p>
             <a:r>
-              <a:rPr dirty="0"/>
-              <a:t>Data Cleaning</a:t>
-            </a:r>
-          </a:p>
-        </p:txBody>
-      </p:sp>
-      <p:grpSp>
-        <p:nvGrpSpPr>
-          <p:cNvPr id="16" name="Group 15">
-            <a:extLst>
-              <a:ext uri="{FF2B5EF4-FFF2-40B4-BE49-F238E27FC236}">
-                <a16:creationId xmlns:a16="http://schemas.microsoft.com/office/drawing/2014/main" id="{F2DE8154-3D4C-09F5-A383-8F30C28DABCE}"/>
-              </a:ext>
-            </a:extLst>
-          </p:cNvPr>
-          <p:cNvGrpSpPr/>
-          <p:nvPr/>
-        </p:nvGrpSpPr>
-        <p:grpSpPr>
-          <a:xfrm>
-            <a:off x="0" y="1813529"/>
-            <a:ext cx="9144000" cy="5151748"/>
-            <a:chOff x="0" y="4914948"/>
-            <a:chExt cx="9144000" cy="5151748"/>
-          </a:xfrm>
-        </p:grpSpPr>
-        <p:sp>
-          <p:nvSpPr>
-            <p:cNvPr id="4" name="Rectangle 3">
-              <a:extLst>
-                <a:ext uri="{FF2B5EF4-FFF2-40B4-BE49-F238E27FC236}">
-                  <a16:creationId xmlns:a16="http://schemas.microsoft.com/office/drawing/2014/main" id="{90DD50BD-1066-3CBA-DE59-5657A6C78D27}"/>
-                </a:ext>
-              </a:extLst>
-            </p:cNvPr>
-            <p:cNvSpPr/>
-            <p:nvPr/>
-          </p:nvSpPr>
-          <p:spPr>
-            <a:xfrm>
-              <a:off x="0" y="4914948"/>
-              <a:ext cx="9144000" cy="5151748"/>
-            </a:xfrm>
-            <a:prstGeom prst="rect">
-              <a:avLst/>
-            </a:prstGeom>
-            <a:solidFill>
-              <a:schemeClr val="bg1">
-                <a:lumMod val="85000"/>
-              </a:schemeClr>
-            </a:solidFill>
-            <a:ln>
-              <a:noFill/>
-            </a:ln>
-          </p:spPr>
-          <p:style>
-            <a:lnRef idx="2">
-              <a:schemeClr val="accent1">
-                <a:shade val="15000"/>
-              </a:schemeClr>
-            </a:lnRef>
-            <a:fillRef idx="1">
-              <a:schemeClr val="accent1"/>
-            </a:fillRef>
-            <a:effectRef idx="0">
-              <a:schemeClr val="accent1"/>
-            </a:effectRef>
-            <a:fontRef idx="minor">
-              <a:schemeClr val="lt1"/>
-            </a:fontRef>
-          </p:style>
-          <p:txBody>
-            <a:bodyPr rtlCol="0" anchor="ctr"/>
-            <a:lstStyle/>
-            <a:p>
-              <a:pPr algn="ctr"/>
-              <a:endParaRPr lang="en-IN" dirty="0">
-                <a:solidFill>
-                  <a:schemeClr val="bg1">
-                    <a:lumMod val="95000"/>
-                  </a:schemeClr>
-                </a:solidFill>
-              </a:endParaRPr>
-            </a:p>
-          </p:txBody>
-        </p:sp>
-        <p:sp>
-          <p:nvSpPr>
-            <p:cNvPr id="8" name="TextBox 7">
-              <a:extLst>
-                <a:ext uri="{FF2B5EF4-FFF2-40B4-BE49-F238E27FC236}">
-                  <a16:creationId xmlns:a16="http://schemas.microsoft.com/office/drawing/2014/main" id="{A6C80132-EFE8-F2EB-5C75-86818636706F}"/>
-                </a:ext>
-              </a:extLst>
-            </p:cNvPr>
-            <p:cNvSpPr txBox="1"/>
-            <p:nvPr/>
-          </p:nvSpPr>
-          <p:spPr>
-            <a:xfrm>
-              <a:off x="1201914" y="5038869"/>
-              <a:ext cx="1951349" cy="369332"/>
-            </a:xfrm>
-            <a:prstGeom prst="rect">
-              <a:avLst/>
-            </a:prstGeom>
-            <a:noFill/>
-          </p:spPr>
-          <p:txBody>
-            <a:bodyPr wrap="square" rtlCol="0">
-              <a:spAutoFit/>
-            </a:bodyPr>
-            <a:lstStyle/>
-            <a:p>
-              <a:r>
-                <a:rPr lang="en-IN" dirty="0"/>
-                <a:t>Data Cleaning</a:t>
-              </a:r>
-            </a:p>
-          </p:txBody>
-        </p:sp>
-      </p:grpSp>
-      <p:grpSp>
-        <p:nvGrpSpPr>
-          <p:cNvPr id="15" name="Group 14">
-            <a:extLst>
-              <a:ext uri="{FF2B5EF4-FFF2-40B4-BE49-F238E27FC236}">
-                <a16:creationId xmlns:a16="http://schemas.microsoft.com/office/drawing/2014/main" id="{ED4BD798-78CA-2282-8791-6A05B47DB349}"/>
-              </a:ext>
-            </a:extLst>
-          </p:cNvPr>
-          <p:cNvGrpSpPr/>
-          <p:nvPr/>
-        </p:nvGrpSpPr>
-        <p:grpSpPr>
-          <a:xfrm>
-            <a:off x="0" y="2295144"/>
-            <a:ext cx="9144000" cy="5151748"/>
-            <a:chOff x="0" y="5401088"/>
-            <a:chExt cx="9144000" cy="5151748"/>
-          </a:xfrm>
-        </p:grpSpPr>
-        <p:sp>
-          <p:nvSpPr>
-            <p:cNvPr id="5" name="Rectangle 4">
-              <a:extLst>
-                <a:ext uri="{FF2B5EF4-FFF2-40B4-BE49-F238E27FC236}">
-                  <a16:creationId xmlns:a16="http://schemas.microsoft.com/office/drawing/2014/main" id="{CCFC273E-CD79-6968-A063-340D06D3D816}"/>
-                </a:ext>
-              </a:extLst>
-            </p:cNvPr>
-            <p:cNvSpPr/>
-            <p:nvPr/>
-          </p:nvSpPr>
-          <p:spPr>
-            <a:xfrm>
-              <a:off x="0" y="5401088"/>
-              <a:ext cx="9144000" cy="5151748"/>
-            </a:xfrm>
-            <a:prstGeom prst="rect">
-              <a:avLst/>
-            </a:prstGeom>
-            <a:solidFill>
-              <a:schemeClr val="bg1">
-                <a:lumMod val="75000"/>
-              </a:schemeClr>
-            </a:solidFill>
-            <a:ln>
-              <a:noFill/>
-            </a:ln>
-          </p:spPr>
-          <p:style>
-            <a:lnRef idx="2">
-              <a:schemeClr val="accent1">
-                <a:shade val="15000"/>
-              </a:schemeClr>
-            </a:lnRef>
-            <a:fillRef idx="1">
-              <a:schemeClr val="accent1"/>
-            </a:fillRef>
-            <a:effectRef idx="0">
-              <a:schemeClr val="accent1"/>
-            </a:effectRef>
-            <a:fontRef idx="minor">
-              <a:schemeClr val="lt1"/>
-            </a:fontRef>
-          </p:style>
-          <p:txBody>
-            <a:bodyPr rtlCol="0" anchor="ctr"/>
-            <a:lstStyle/>
-            <a:p>
-              <a:pPr algn="ctr"/>
-              <a:endParaRPr lang="en-IN">
-                <a:solidFill>
-                  <a:schemeClr val="bg1">
-                    <a:lumMod val="95000"/>
-                  </a:schemeClr>
-                </a:solidFill>
-              </a:endParaRPr>
-            </a:p>
-          </p:txBody>
-        </p:sp>
-        <p:sp>
-          <p:nvSpPr>
-            <p:cNvPr id="9" name="TextBox 8">
-              <a:extLst>
-                <a:ext uri="{FF2B5EF4-FFF2-40B4-BE49-F238E27FC236}">
-                  <a16:creationId xmlns:a16="http://schemas.microsoft.com/office/drawing/2014/main" id="{CBB7916E-F632-99CB-8769-DA9F9B41609F}"/>
-                </a:ext>
-              </a:extLst>
-            </p:cNvPr>
-            <p:cNvSpPr txBox="1"/>
-            <p:nvPr/>
-          </p:nvSpPr>
-          <p:spPr>
-            <a:xfrm>
-              <a:off x="1201913" y="5475530"/>
-              <a:ext cx="2286005" cy="369332"/>
-            </a:xfrm>
-            <a:prstGeom prst="rect">
-              <a:avLst/>
-            </a:prstGeom>
-            <a:noFill/>
-          </p:spPr>
-          <p:txBody>
-            <a:bodyPr wrap="square" rtlCol="0">
-              <a:spAutoFit/>
-            </a:bodyPr>
-            <a:lstStyle/>
-            <a:p>
-              <a:r>
-                <a:rPr lang="en-IN" dirty="0"/>
-                <a:t>Feature Encoding</a:t>
-              </a:r>
-            </a:p>
-          </p:txBody>
-        </p:sp>
-      </p:grpSp>
-      <p:grpSp>
-        <p:nvGrpSpPr>
-          <p:cNvPr id="14" name="Group 13">
-            <a:extLst>
-              <a:ext uri="{FF2B5EF4-FFF2-40B4-BE49-F238E27FC236}">
-                <a16:creationId xmlns:a16="http://schemas.microsoft.com/office/drawing/2014/main" id="{9C3DC7C7-6D53-0DAA-D223-BC4E34C560AB}"/>
-              </a:ext>
-            </a:extLst>
-          </p:cNvPr>
-          <p:cNvGrpSpPr/>
-          <p:nvPr/>
-        </p:nvGrpSpPr>
-        <p:grpSpPr>
-          <a:xfrm>
-            <a:off x="0" y="5887228"/>
-            <a:ext cx="9144000" cy="5151748"/>
-            <a:chOff x="0" y="5887228"/>
-            <a:chExt cx="9144000" cy="5151748"/>
-          </a:xfrm>
-        </p:grpSpPr>
-        <p:sp>
-          <p:nvSpPr>
-            <p:cNvPr id="6" name="Rectangle 5">
-              <a:extLst>
-                <a:ext uri="{FF2B5EF4-FFF2-40B4-BE49-F238E27FC236}">
-                  <a16:creationId xmlns:a16="http://schemas.microsoft.com/office/drawing/2014/main" id="{53C45BF3-096E-752C-C014-D49C37EA7171}"/>
-                </a:ext>
-              </a:extLst>
-            </p:cNvPr>
-            <p:cNvSpPr/>
-            <p:nvPr/>
-          </p:nvSpPr>
-          <p:spPr>
-            <a:xfrm>
-              <a:off x="0" y="5887228"/>
-              <a:ext cx="9144000" cy="5151748"/>
-            </a:xfrm>
-            <a:prstGeom prst="rect">
-              <a:avLst/>
-            </a:prstGeom>
-            <a:solidFill>
-              <a:schemeClr val="bg1">
-                <a:lumMod val="65000"/>
-              </a:schemeClr>
-            </a:solidFill>
-            <a:ln>
-              <a:noFill/>
-            </a:ln>
-          </p:spPr>
-          <p:style>
-            <a:lnRef idx="2">
-              <a:schemeClr val="accent1">
-                <a:shade val="15000"/>
-              </a:schemeClr>
-            </a:lnRef>
-            <a:fillRef idx="1">
-              <a:schemeClr val="accent1"/>
-            </a:fillRef>
-            <a:effectRef idx="0">
-              <a:schemeClr val="accent1"/>
-            </a:effectRef>
-            <a:fontRef idx="minor">
-              <a:schemeClr val="lt1"/>
-            </a:fontRef>
-          </p:style>
-          <p:txBody>
-            <a:bodyPr rtlCol="0" anchor="ctr"/>
-            <a:lstStyle/>
-            <a:p>
-              <a:pPr algn="ctr"/>
-              <a:endParaRPr lang="en-IN">
-                <a:solidFill>
-                  <a:schemeClr val="bg1">
-                    <a:lumMod val="95000"/>
-                  </a:schemeClr>
-                </a:solidFill>
-              </a:endParaRPr>
-            </a:p>
-          </p:txBody>
-        </p:sp>
-        <p:sp>
-          <p:nvSpPr>
-            <p:cNvPr id="10" name="TextBox 9">
-              <a:extLst>
-                <a:ext uri="{FF2B5EF4-FFF2-40B4-BE49-F238E27FC236}">
-                  <a16:creationId xmlns:a16="http://schemas.microsoft.com/office/drawing/2014/main" id="{31813FE8-75FA-26AB-48D9-D55991AAC6CE}"/>
-                </a:ext>
-              </a:extLst>
-            </p:cNvPr>
-            <p:cNvSpPr txBox="1"/>
-            <p:nvPr/>
-          </p:nvSpPr>
-          <p:spPr>
-            <a:xfrm>
-              <a:off x="1201912" y="5943665"/>
-              <a:ext cx="1951349" cy="369332"/>
-            </a:xfrm>
-            <a:prstGeom prst="rect">
-              <a:avLst/>
-            </a:prstGeom>
-            <a:noFill/>
-          </p:spPr>
-          <p:txBody>
-            <a:bodyPr wrap="square" rtlCol="0">
-              <a:spAutoFit/>
-            </a:bodyPr>
-            <a:lstStyle/>
-            <a:p>
-              <a:r>
-                <a:rPr lang="en-IN" dirty="0"/>
-                <a:t>Feature Scaling</a:t>
-              </a:r>
-            </a:p>
-          </p:txBody>
-        </p:sp>
-      </p:grpSp>
-      <p:grpSp>
-        <p:nvGrpSpPr>
-          <p:cNvPr id="13" name="Group 12">
-            <a:extLst>
-              <a:ext uri="{FF2B5EF4-FFF2-40B4-BE49-F238E27FC236}">
-                <a16:creationId xmlns:a16="http://schemas.microsoft.com/office/drawing/2014/main" id="{0303CC5C-7A8D-0F3A-1D54-B67CAC280392}"/>
-              </a:ext>
-            </a:extLst>
-          </p:cNvPr>
-          <p:cNvGrpSpPr/>
-          <p:nvPr/>
-        </p:nvGrpSpPr>
-        <p:grpSpPr>
-          <a:xfrm>
-            <a:off x="0" y="6373368"/>
-            <a:ext cx="9144000" cy="5151748"/>
-            <a:chOff x="0" y="6373368"/>
-            <a:chExt cx="9144000" cy="5151748"/>
-          </a:xfrm>
-        </p:grpSpPr>
-        <p:sp>
-          <p:nvSpPr>
-            <p:cNvPr id="7" name="Rectangle 6">
-              <a:extLst>
-                <a:ext uri="{FF2B5EF4-FFF2-40B4-BE49-F238E27FC236}">
-                  <a16:creationId xmlns:a16="http://schemas.microsoft.com/office/drawing/2014/main" id="{586413D9-8E88-524A-A72C-BE5159A36333}"/>
-                </a:ext>
-              </a:extLst>
-            </p:cNvPr>
-            <p:cNvSpPr/>
-            <p:nvPr/>
-          </p:nvSpPr>
-          <p:spPr>
-            <a:xfrm>
-              <a:off x="0" y="6373368"/>
-              <a:ext cx="9144000" cy="5151748"/>
-            </a:xfrm>
-            <a:prstGeom prst="rect">
-              <a:avLst/>
-            </a:prstGeom>
-            <a:solidFill>
-              <a:schemeClr val="bg1">
-                <a:lumMod val="50000"/>
-              </a:schemeClr>
-            </a:solidFill>
-            <a:ln>
-              <a:noFill/>
-            </a:ln>
-          </p:spPr>
-          <p:style>
-            <a:lnRef idx="2">
-              <a:schemeClr val="accent1">
-                <a:shade val="15000"/>
-              </a:schemeClr>
-            </a:lnRef>
-            <a:fillRef idx="1">
-              <a:schemeClr val="accent1"/>
-            </a:fillRef>
-            <a:effectRef idx="0">
-              <a:schemeClr val="accent1"/>
-            </a:effectRef>
-            <a:fontRef idx="minor">
-              <a:schemeClr val="lt1"/>
-            </a:fontRef>
-          </p:style>
-          <p:txBody>
-            <a:bodyPr rtlCol="0" anchor="ctr"/>
-            <a:lstStyle/>
-            <a:p>
-              <a:pPr algn="ctr"/>
-              <a:endParaRPr lang="en-IN">
-                <a:solidFill>
-                  <a:schemeClr val="bg1">
-                    <a:lumMod val="95000"/>
-                  </a:schemeClr>
-                </a:solidFill>
-              </a:endParaRPr>
-            </a:p>
-          </p:txBody>
-        </p:sp>
-        <p:sp>
-          <p:nvSpPr>
-            <p:cNvPr id="11" name="TextBox 10">
-              <a:extLst>
-                <a:ext uri="{FF2B5EF4-FFF2-40B4-BE49-F238E27FC236}">
-                  <a16:creationId xmlns:a16="http://schemas.microsoft.com/office/drawing/2014/main" id="{56FED826-1528-B5C6-388A-D4E26A779017}"/>
-                </a:ext>
-              </a:extLst>
-            </p:cNvPr>
-            <p:cNvSpPr txBox="1"/>
-            <p:nvPr/>
-          </p:nvSpPr>
-          <p:spPr>
-            <a:xfrm>
-              <a:off x="1201917" y="6411944"/>
-              <a:ext cx="1951349" cy="369332"/>
-            </a:xfrm>
-            <a:prstGeom prst="rect">
-              <a:avLst/>
-            </a:prstGeom>
-            <a:noFill/>
-          </p:spPr>
-          <p:txBody>
-            <a:bodyPr wrap="square" rtlCol="0">
-              <a:spAutoFit/>
-            </a:bodyPr>
-            <a:lstStyle/>
-            <a:p>
-              <a:r>
-                <a:rPr lang="en-IN" dirty="0"/>
-                <a:t>Train-test split</a:t>
-              </a:r>
-            </a:p>
-          </p:txBody>
-        </p:sp>
-      </p:grpSp>
+              <a:rPr lang="en-IN" dirty="0"/>
+              <a:t>Diabetes affects millions globally; early detection is critical.</a:t>
+            </a:r>
+          </a:p>
+          <a:p>
+            <a:r>
+              <a:rPr lang="en-IN" dirty="0"/>
+              <a:t>False Negatives (FN) are costly: missed diagnoses delay treatment.</a:t>
+            </a:r>
+          </a:p>
+          <a:p>
+            <a:r>
+              <a:rPr lang="en-IN" dirty="0"/>
+              <a:t>Goal: Maximize recall for Diabetes (class 1) to reduce FN.</a:t>
+            </a:r>
+          </a:p>
+          <a:p>
+            <a:r>
+              <a:rPr lang="en-IN" dirty="0"/>
+              <a:t>Initial confusion matrix: FN = 1,914 (24% of diabetes cases missed).</a:t>
+            </a:r>
+          </a:p>
+        </p:txBody>
+      </p:sp>
     </p:spTree>
-    <p:extLst>
-      <p:ext uri="{BB962C8B-B14F-4D97-AF65-F5344CB8AC3E}">
-        <p14:creationId xmlns:p14="http://schemas.microsoft.com/office/powerpoint/2010/main" val="358321933"/>
-      </p:ext>
-    </p:extLst>
   </p:cSld>
   <p:clrMapOvr>
     <a:masterClrMapping/>
   </p:clrMapOvr>
-  <mc:AlternateContent xmlns:mc="http://schemas.openxmlformats.org/markup-compatibility/2006">
-    <mc:Choice xmlns:p159="http://schemas.microsoft.com/office/powerpoint/2015/09/main" Requires="p159">
-      <p:transition xmlns:p14="http://schemas.microsoft.com/office/powerpoint/2010/main" spd="slow" p14:dur="2000">
-        <p159:morph option="byWord"/>
-      </p:transition>
-    </mc:Choice>
-    <mc:Fallback>
-      <p:transition spd="slow">
-        <p:fade/>
-      </p:transition>
-    </mc:Fallback>
-  </mc:AlternateContent>
-  <p:timing>
-    <p:tnLst>
-      <p:par>
-        <p:cTn id="1" dur="indefinite" restart="never" nodeType="tmRoot">
-          <p:childTnLst>
-            <p:seq concurrent="1" nextAc="seek">
-              <p:cTn id="2" dur="indefinite" nodeType="mainSeq">
-                <p:childTnLst>
-                  <p:par>
-                    <p:cTn id="3" fill="hold">
-                      <p:stCondLst>
-                        <p:cond delay="indefinite"/>
-                      </p:stCondLst>
-                      <p:childTnLst>
-                        <p:par>
-                          <p:cTn id="4" fill="hold">
-                            <p:stCondLst>
-                              <p:cond delay="0"/>
-                            </p:stCondLst>
-                            <p:childTnLst>
-                              <p:par>
-                                <p:cTn id="5" presetID="2" presetClass="entr" presetSubtype="4" fill="hold" nodeType="clickEffect">
-                                  <p:stCondLst>
-                                    <p:cond delay="0"/>
-                                  </p:stCondLst>
-                                  <p:childTnLst>
-                                    <p:set>
-                                      <p:cBhvr>
-                                        <p:cTn id="6" dur="1" fill="hold">
-                                          <p:stCondLst>
-                                            <p:cond delay="0"/>
-                                          </p:stCondLst>
-                                        </p:cTn>
-                                        <p:tgtEl>
-                                          <p:spTgt spid="16"/>
-                                        </p:tgtEl>
-                                        <p:attrNameLst>
-                                          <p:attrName>style.visibility</p:attrName>
-                                        </p:attrNameLst>
-                                      </p:cBhvr>
-                                      <p:to>
-                                        <p:strVal val="visible"/>
-                                      </p:to>
-                                    </p:set>
-                                    <p:anim calcmode="lin" valueType="num">
-                                      <p:cBhvr additive="base">
-                                        <p:cTn id="7" dur="750" fill="hold"/>
-                                        <p:tgtEl>
-                                          <p:spTgt spid="16"/>
-                                        </p:tgtEl>
-                                        <p:attrNameLst>
-                                          <p:attrName>ppt_x</p:attrName>
-                                        </p:attrNameLst>
-                                      </p:cBhvr>
-                                      <p:tavLst>
-                                        <p:tav tm="0">
-                                          <p:val>
-                                            <p:strVal val="#ppt_x"/>
-                                          </p:val>
-                                        </p:tav>
-                                        <p:tav tm="100000">
-                                          <p:val>
-                                            <p:strVal val="#ppt_x"/>
-                                          </p:val>
-                                        </p:tav>
-                                      </p:tavLst>
-                                    </p:anim>
-                                    <p:anim calcmode="lin" valueType="num">
-                                      <p:cBhvr additive="base">
-                                        <p:cTn id="8" dur="750" fill="hold"/>
-                                        <p:tgtEl>
-                                          <p:spTgt spid="16"/>
-                                        </p:tgtEl>
-                                        <p:attrNameLst>
-                                          <p:attrName>ppt_y</p:attrName>
-                                        </p:attrNameLst>
-                                      </p:cBhvr>
-                                      <p:tavLst>
-                                        <p:tav tm="0">
-                                          <p:val>
-                                            <p:strVal val="1+#ppt_h/2"/>
-                                          </p:val>
-                                        </p:tav>
-                                        <p:tav tm="100000">
-                                          <p:val>
-                                            <p:strVal val="#ppt_y"/>
-                                          </p:val>
-                                        </p:tav>
-                                      </p:tavLst>
-                                    </p:anim>
-                                  </p:childTnLst>
-                                </p:cTn>
-                              </p:par>
-                            </p:childTnLst>
-                          </p:cTn>
-                        </p:par>
-                        <p:par>
-                          <p:cTn id="9" fill="hold">
-                            <p:stCondLst>
-                              <p:cond delay="750"/>
-                            </p:stCondLst>
-                            <p:childTnLst>
-                              <p:par>
-                                <p:cTn id="10" presetID="42" presetClass="entr" presetSubtype="0" fill="hold" nodeType="afterEffect">
-                                  <p:stCondLst>
-                                    <p:cond delay="0"/>
-                                  </p:stCondLst>
-                                  <p:childTnLst>
-                                    <p:set>
-                                      <p:cBhvr>
-                                        <p:cTn id="11" dur="1" fill="hold">
-                                          <p:stCondLst>
-                                            <p:cond delay="0"/>
-                                          </p:stCondLst>
-                                        </p:cTn>
-                                        <p:tgtEl>
-                                          <p:spTgt spid="15"/>
-                                        </p:tgtEl>
-                                        <p:attrNameLst>
-                                          <p:attrName>style.visibility</p:attrName>
-                                        </p:attrNameLst>
-                                      </p:cBhvr>
-                                      <p:to>
-                                        <p:strVal val="visible"/>
-                                      </p:to>
-                                    </p:set>
-                                    <p:animEffect transition="in" filter="fade">
-                                      <p:cBhvr>
-                                        <p:cTn id="12" dur="1000"/>
-                                        <p:tgtEl>
-                                          <p:spTgt spid="15"/>
-                                        </p:tgtEl>
-                                      </p:cBhvr>
-                                    </p:animEffect>
-                                    <p:anim calcmode="lin" valueType="num">
-                                      <p:cBhvr>
-                                        <p:cTn id="13" dur="1000" fill="hold"/>
-                                        <p:tgtEl>
-                                          <p:spTgt spid="15"/>
-                                        </p:tgtEl>
-                                        <p:attrNameLst>
-                                          <p:attrName>ppt_x</p:attrName>
-                                        </p:attrNameLst>
-                                      </p:cBhvr>
-                                      <p:tavLst>
-                                        <p:tav tm="0">
-                                          <p:val>
-                                            <p:strVal val="#ppt_x"/>
-                                          </p:val>
-                                        </p:tav>
-                                        <p:tav tm="100000">
-                                          <p:val>
-                                            <p:strVal val="#ppt_x"/>
-                                          </p:val>
-                                        </p:tav>
-                                      </p:tavLst>
-                                    </p:anim>
-                                    <p:anim calcmode="lin" valueType="num">
-                                      <p:cBhvr>
-                                        <p:cTn id="14" dur="1000" fill="hold"/>
-                                        <p:tgtEl>
-                                          <p:spTgt spid="15"/>
-                                        </p:tgtEl>
-                                        <p:attrNameLst>
-                                          <p:attrName>ppt_y</p:attrName>
-                                        </p:attrNameLst>
-                                      </p:cBhvr>
-                                      <p:tavLst>
-                                        <p:tav tm="0">
-                                          <p:val>
-                                            <p:strVal val="#ppt_y+.1"/>
-                                          </p:val>
-                                        </p:tav>
-                                        <p:tav tm="100000">
-                                          <p:val>
-                                            <p:strVal val="#ppt_y"/>
-                                          </p:val>
-                                        </p:tav>
-                                      </p:tavLst>
-                                    </p:anim>
-                                  </p:childTnLst>
-                                </p:cTn>
-                              </p:par>
-                            </p:childTnLst>
-                          </p:cTn>
-                        </p:par>
-                      </p:childTnLst>
-                    </p:cTn>
-                  </p:par>
-                </p:childTnLst>
-              </p:cTn>
-              <p:prevCondLst>
-                <p:cond evt="onPrev" delay="0">
-                  <p:tgtEl>
-                    <p:sldTgt/>
-                  </p:tgtEl>
-                </p:cond>
-              </p:prevCondLst>
-              <p:nextCondLst>
-                <p:cond evt="onNext" delay="0">
-                  <p:tgtEl>
-                    <p:sldTgt/>
-                  </p:tgtEl>
-                </p:cond>
-              </p:nextCondLst>
-            </p:seq>
-          </p:childTnLst>
-        </p:cTn>
-      </p:par>
-    </p:tnLst>
-  </p:timing>
 </p:sld>
 </file>
 
@@ -5353,7 +4593,8 @@
           <a:lstStyle/>
           <a:p>
             <a:r>
-              <a:t>Exploratory Data Analysis (EDA)</a:t>
+              <a:rPr lang="en-IN" b="1" dirty="0"/>
+              <a:t>Preprocessing Pipeline</a:t>
             </a:r>
           </a:p>
         </p:txBody>
@@ -5374,22 +4615,95 @@
           <a:lstStyle/>
           <a:p>
             <a:r>
-              <a:t>• Salary distribution across different job titles</a:t>
-            </a:r>
-          </a:p>
-          <a:p>
-            <a:r>
-              <a:t>• Salaries by experience level, company size, and location</a:t>
-            </a:r>
-          </a:p>
-          <a:p>
-            <a:r>
-              <a:t>• Correlation analysis between features</a:t>
-            </a:r>
-          </a:p>
-          <a:p>
-            <a:r>
-              <a:t>• [Add visual findings here]</a:t>
+              <a:rPr lang="en-IN" dirty="0"/>
+              <a:t>Steps:</a:t>
+            </a:r>
+          </a:p>
+          <a:p>
+            <a:pPr lvl="1"/>
+            <a:r>
+              <a:rPr lang="en-IN" dirty="0"/>
+              <a:t>Combine Diabetes_012 classes 1 and 2 into class 1.</a:t>
+            </a:r>
+          </a:p>
+          <a:p>
+            <a:pPr lvl="1"/>
+            <a:r>
+              <a:rPr lang="en-IN" dirty="0"/>
+              <a:t>Scale all features using </a:t>
+            </a:r>
+            <a:r>
+              <a:rPr lang="en-IN" dirty="0" err="1"/>
+              <a:t>StandardScaler</a:t>
+            </a:r>
+            <a:r>
+              <a:rPr lang="en-IN" dirty="0"/>
+              <a:t> (numerical: BMI, </a:t>
+            </a:r>
+            <a:r>
+              <a:rPr lang="en-IN" dirty="0" err="1"/>
+              <a:t>MentHlth</a:t>
+            </a:r>
+            <a:r>
+              <a:rPr lang="en-IN" dirty="0"/>
+              <a:t>, </a:t>
+            </a:r>
+            <a:r>
+              <a:rPr lang="en-IN" dirty="0" err="1"/>
+              <a:t>PhysHlth</a:t>
+            </a:r>
+            <a:r>
+              <a:rPr lang="en-IN" dirty="0"/>
+              <a:t>; ordinal: </a:t>
+            </a:r>
+            <a:r>
+              <a:rPr lang="en-IN" dirty="0" err="1"/>
+              <a:t>GenHlth</a:t>
+            </a:r>
+            <a:r>
+              <a:rPr lang="en-IN" dirty="0"/>
+              <a:t>, Education, Income, Age; binary: others).</a:t>
+            </a:r>
+          </a:p>
+          <a:p>
+            <a:pPr lvl="1"/>
+            <a:r>
+              <a:rPr lang="en-IN" dirty="0"/>
+              <a:t>Train/test split (80/20) with stratification.</a:t>
+            </a:r>
+          </a:p>
+          <a:p>
+            <a:pPr lvl="1"/>
+            <a:r>
+              <a:rPr lang="en-IN" dirty="0"/>
+              <a:t>Address imbalance using SMOTE and class-weighting.</a:t>
+            </a:r>
+          </a:p>
+          <a:p>
+            <a:r>
+              <a:rPr lang="en-IN" dirty="0"/>
+              <a:t>Pipeline: </a:t>
+            </a:r>
+          </a:p>
+          <a:p>
+            <a:pPr marL="0" indent="0">
+              <a:buNone/>
+            </a:pPr>
+            <a:r>
+              <a:rPr lang="en-IN" dirty="0" err="1"/>
+              <a:t>ColumnTransformer</a:t>
+            </a:r>
+            <a:r>
+              <a:rPr lang="en-IN" dirty="0"/>
+              <a:t> → </a:t>
+            </a:r>
+            <a:r>
+              <a:rPr lang="en-IN" dirty="0" err="1"/>
+              <a:t>StandardScaler</a:t>
+            </a:r>
+            <a:r>
+              <a:rPr lang="en-IN" dirty="0"/>
+              <a:t> → LogisticRegression.</a:t>
             </a:r>
           </a:p>
         </p:txBody>
@@ -5435,7 +4749,8 @@
           <a:lstStyle/>
           <a:p>
             <a:r>
-              <a:t>Models Used</a:t>
+              <a:rPr lang="en-IN" b="1" dirty="0"/>
+              <a:t>Model Selection</a:t>
             </a:r>
           </a:p>
         </p:txBody>
@@ -5450,26 +4765,75 @@
             <p:ph idx="1"/>
           </p:nvPr>
         </p:nvSpPr>
-        <p:spPr/>
+        <p:spPr>
+          <a:xfrm>
+            <a:off x="685800" y="2109216"/>
+            <a:ext cx="7772400" cy="4050792"/>
+          </a:xfrm>
+        </p:spPr>
         <p:txBody>
           <a:bodyPr/>
           <a:lstStyle/>
           <a:p>
-            <a:r>
-              <a:rPr dirty="0"/>
-              <a:t>Linear Regression</a:t>
-            </a:r>
-          </a:p>
-          <a:p>
-            <a:r>
-              <a:rPr dirty="0"/>
-              <a:t>Ridge Regression</a:t>
-            </a:r>
-          </a:p>
-          <a:p>
-            <a:r>
-              <a:rPr dirty="0"/>
-              <a:t>Decision Tree Regressor</a:t>
+            <a:pPr marL="0" indent="0">
+              <a:buNone/>
+            </a:pPr>
+            <a:r>
+              <a:rPr lang="en-IN" sz="2400" dirty="0"/>
+              <a:t>Why Logistic Regression?</a:t>
+            </a:r>
+          </a:p>
+          <a:p>
+            <a:pPr marL="0" indent="0">
+              <a:buNone/>
+            </a:pPr>
+            <a:endParaRPr lang="en-IN" dirty="0"/>
+          </a:p>
+          <a:p>
+            <a:r>
+              <a:rPr lang="en-IN" dirty="0"/>
+              <a:t>Evaluated multiple models (Random Forest, </a:t>
+            </a:r>
+            <a:r>
+              <a:rPr lang="en-IN" dirty="0" err="1"/>
+              <a:t>XGBoost</a:t>
+            </a:r>
+            <a:r>
+              <a:rPr lang="en-IN" dirty="0"/>
+              <a:t>, SVM, etc.).</a:t>
+            </a:r>
+          </a:p>
+          <a:p>
+            <a:r>
+              <a:rPr lang="en-IN" dirty="0"/>
+              <a:t>Logistic regression outperformed others in recall and simplicity.</a:t>
+            </a:r>
+          </a:p>
+          <a:p>
+            <a:r>
+              <a:rPr lang="en-IN" dirty="0"/>
+              <a:t>Key optimizations:</a:t>
+            </a:r>
+          </a:p>
+          <a:p>
+            <a:pPr lvl="1"/>
+            <a:r>
+              <a:rPr lang="en-IN" dirty="0"/>
+              <a:t>Class weights: {0: 1, 1: 5} to penalize FN.</a:t>
+            </a:r>
+          </a:p>
+          <a:p>
+            <a:pPr lvl="1"/>
+            <a:r>
+              <a:rPr lang="en-IN" dirty="0"/>
+              <a:t>SMOTE for balanced training data.</a:t>
+            </a:r>
+          </a:p>
+          <a:p>
+            <a:pPr lvl="1"/>
+            <a:r>
+              <a:rPr lang="en-IN" dirty="0"/>
+              <a:t>Threshold tuning (e.g., 0.3) to prioritize recall.</a:t>
             </a:r>
           </a:p>
         </p:txBody>
@@ -5515,7 +4879,7 @@
           <a:lstStyle/>
           <a:p>
             <a:r>
-              <a:t>Evaluation Metrics</a:t>
+              <a:t>Key Findings &amp; Conclusion</a:t>
             </a:r>
           </a:p>
         </p:txBody>
@@ -5536,211 +4900,34 @@
           <a:lstStyle/>
           <a:p>
             <a:r>
-              <a:rPr dirty="0"/>
-              <a:t>Mean Absolute Error (MAE)</a:t>
-            </a:r>
-          </a:p>
-          <a:p>
-            <a:r>
-              <a:rPr dirty="0"/>
-              <a:t>Mean Squared Error (MSE)</a:t>
-            </a:r>
-          </a:p>
-          <a:p>
-            <a:r>
-              <a:rPr dirty="0"/>
-              <a:t>Root Mean Squared Error (RMSE)</a:t>
-            </a:r>
-          </a:p>
-          <a:p>
-            <a:r>
-              <a:rPr dirty="0"/>
-              <a:t>R-squared (R²)</a:t>
-            </a:r>
-          </a:p>
-          <a:p>
-            <a:r>
-              <a:rPr dirty="0"/>
-              <a:t>[Add actual values here]</a:t>
-            </a:r>
-          </a:p>
-        </p:txBody>
-      </p:sp>
-    </p:spTree>
-  </p:cSld>
-  <p:clrMapOvr>
-    <a:masterClrMapping/>
-  </p:clrMapOvr>
-</p:sld>
-</file>
-
-<file path=ppt/slides/slide8.xml><?xml version="1.0" encoding="utf-8"?>
-<p:sld xmlns:a="http://schemas.openxmlformats.org/drawingml/2006/main" xmlns:r="http://schemas.openxmlformats.org/officeDocument/2006/relationships" xmlns:p="http://schemas.openxmlformats.org/presentationml/2006/main">
-  <p:cSld>
-    <p:spTree>
-      <p:nvGrpSpPr>
-        <p:cNvPr id="1" name=""/>
-        <p:cNvGrpSpPr/>
-        <p:nvPr/>
-      </p:nvGrpSpPr>
-      <p:grpSpPr>
-        <a:xfrm>
-          <a:off x="0" y="0"/>
-          <a:ext cx="0" cy="0"/>
-          <a:chOff x="0" y="0"/>
-          <a:chExt cx="0" cy="0"/>
-        </a:xfrm>
-      </p:grpSpPr>
-      <p:sp>
-        <p:nvSpPr>
-          <p:cNvPr id="2" name="Title 1"/>
-          <p:cNvSpPr>
-            <a:spLocks noGrp="1"/>
-          </p:cNvSpPr>
-          <p:nvPr>
-            <p:ph type="title"/>
-          </p:nvPr>
-        </p:nvSpPr>
-        <p:spPr/>
-        <p:txBody>
-          <a:bodyPr/>
-          <a:lstStyle/>
-          <a:p>
-            <a:r>
-              <a:t>Challenges Faced</a:t>
-            </a:r>
-          </a:p>
-        </p:txBody>
-      </p:sp>
-      <p:sp>
-        <p:nvSpPr>
-          <p:cNvPr id="3" name="Content Placeholder 2"/>
-          <p:cNvSpPr>
-            <a:spLocks noGrp="1"/>
-          </p:cNvSpPr>
-          <p:nvPr>
-            <p:ph idx="1"/>
-          </p:nvPr>
-        </p:nvSpPr>
-        <p:spPr/>
-        <p:txBody>
-          <a:bodyPr/>
-          <a:lstStyle/>
-          <a:p>
-            <a:r>
-              <a:rPr dirty="0"/>
-              <a:t>Large dataset handling</a:t>
-            </a:r>
-          </a:p>
-          <a:p>
-            <a:r>
-              <a:rPr dirty="0"/>
-              <a:t>Feature selection and encoding</a:t>
-            </a:r>
-          </a:p>
-          <a:p>
-            <a:r>
-              <a:rPr dirty="0"/>
-              <a:t>Model overfitting vs underfitting</a:t>
-            </a:r>
-          </a:p>
-          <a:p>
-            <a:r>
-              <a:rPr dirty="0"/>
-              <a:t>[Add more specific challenges here]</a:t>
-            </a:r>
-          </a:p>
-        </p:txBody>
-      </p:sp>
-    </p:spTree>
-  </p:cSld>
-  <p:clrMapOvr>
-    <a:masterClrMapping/>
-  </p:clrMapOvr>
-</p:sld>
-</file>
-
-<file path=ppt/slides/slide9.xml><?xml version="1.0" encoding="utf-8"?>
-<p:sld xmlns:a="http://schemas.openxmlformats.org/drawingml/2006/main" xmlns:r="http://schemas.openxmlformats.org/officeDocument/2006/relationships" xmlns:p="http://schemas.openxmlformats.org/presentationml/2006/main">
-  <p:cSld>
-    <p:spTree>
-      <p:nvGrpSpPr>
-        <p:cNvPr id="1" name=""/>
-        <p:cNvGrpSpPr/>
-        <p:nvPr/>
-      </p:nvGrpSpPr>
-      <p:grpSpPr>
-        <a:xfrm>
-          <a:off x="0" y="0"/>
-          <a:ext cx="0" cy="0"/>
-          <a:chOff x="0" y="0"/>
-          <a:chExt cx="0" cy="0"/>
-        </a:xfrm>
-      </p:grpSpPr>
-      <p:sp>
-        <p:nvSpPr>
-          <p:cNvPr id="2" name="Title 1"/>
-          <p:cNvSpPr>
-            <a:spLocks noGrp="1"/>
-          </p:cNvSpPr>
-          <p:nvPr>
-            <p:ph type="title"/>
-          </p:nvPr>
-        </p:nvSpPr>
-        <p:spPr/>
-        <p:txBody>
-          <a:bodyPr/>
-          <a:lstStyle/>
-          <a:p>
-            <a:r>
-              <a:t>Solutions Applied</a:t>
-            </a:r>
-          </a:p>
-        </p:txBody>
-      </p:sp>
-      <p:sp>
-        <p:nvSpPr>
-          <p:cNvPr id="3" name="Content Placeholder 2"/>
-          <p:cNvSpPr>
-            <a:spLocks noGrp="1"/>
-          </p:cNvSpPr>
-          <p:nvPr>
-            <p:ph idx="1"/>
-          </p:nvPr>
-        </p:nvSpPr>
-        <p:spPr/>
-        <p:txBody>
-          <a:bodyPr/>
-          <a:lstStyle/>
-          <a:p>
-            <a:r>
-              <a:rPr dirty="0"/>
-              <a:t>Used efficient preprocessing techniques</a:t>
-            </a:r>
-          </a:p>
-          <a:p>
-            <a:r>
-              <a:rPr dirty="0"/>
-              <a:t>Applied multiple regression models</a:t>
-            </a:r>
-          </a:p>
-          <a:p>
-            <a:r>
-              <a:rPr dirty="0"/>
-              <a:t>Hyperparameter tuning (if applied)</a:t>
-            </a:r>
-          </a:p>
-          <a:p>
-            <a:r>
-              <a:rPr dirty="0"/>
-              <a:t>Cross-validation</a:t>
-            </a:r>
-            <a:endParaRPr lang="en-IN" dirty="0"/>
-          </a:p>
-          <a:p>
-            <a:r>
-              <a:rPr lang="en-IN" dirty="0"/>
-              <a:t>[Add additional solutions here]</a:t>
+              <a:rPr lang="en-US" dirty="0"/>
+              <a:t>Logistic regression with SMOTE and threshold tuning effectively reduced FN.</a:t>
+            </a:r>
+          </a:p>
+          <a:p>
+            <a:r>
+              <a:rPr lang="en-US" dirty="0"/>
+              <a:t>Trade-off: Increased FP acceptable in medical context (leads to further testing).</a:t>
+            </a:r>
+          </a:p>
+          <a:p>
+            <a:r>
+              <a:rPr lang="en-US" dirty="0"/>
+              <a:t>Key features: BMI, </a:t>
+            </a:r>
+            <a:r>
+              <a:rPr lang="en-US" dirty="0" err="1"/>
+              <a:t>GenHlth</a:t>
+            </a:r>
+            <a:r>
+              <a:rPr lang="en-US" dirty="0"/>
+              <a:t>, Age likely drive predictions (based on domain).</a:t>
+            </a:r>
+          </a:p>
+          <a:p>
+            <a:r>
+              <a:rPr lang="en-US" dirty="0"/>
+              <a:t>Model is interpretable and deployable for screening.</a:t>
             </a:r>
           </a:p>
         </p:txBody>
